--- a/images/fix.pptx
+++ b/images/fix.pptx
@@ -5,9 +5,7 @@
     <p:sldMasterId id="2147483648" r:id="rId1"/>
   </p:sldMasterIdLst>
   <p:sldIdLst>
-    <p:sldId id="256" r:id="rId2"/>
-    <p:sldId id="257" r:id="rId3"/>
-    <p:sldId id="258" r:id="rId4"/>
+    <p:sldId id="258" r:id="rId2"/>
   </p:sldIdLst>
   <p:sldSz cx="12192000" cy="6858000"/>
   <p:notesSz cx="6858000" cy="9144000"/>
@@ -124,6 +122,44 @@
 
 <file path=ppt/changesInfos/changesInfo1.xml><?xml version="1.0" encoding="utf-8"?>
 <pc:chgInfo xmlns:a="http://schemas.openxmlformats.org/drawingml/2006/main" xmlns:r="http://schemas.openxmlformats.org/officeDocument/2006/relationships" xmlns:ac="http://schemas.microsoft.com/office/drawing/2013/main/command" xmlns:pc="http://schemas.microsoft.com/office/powerpoint/2013/main/command">
+  <pc:docChgLst>
+    <pc:chgData name="Noritsuna Imamura" userId="5b2da16fa1785921" providerId="LiveId" clId="{342DA2C4-B094-4B86-9045-6AA34CD7B848}"/>
+    <pc:docChg chg="delSld modSld">
+      <pc:chgData name="Noritsuna Imamura" userId="5b2da16fa1785921" providerId="LiveId" clId="{342DA2C4-B094-4B86-9045-6AA34CD7B848}" dt="2025-11-12T14:20:15.634" v="16" actId="47"/>
+      <pc:docMkLst>
+        <pc:docMk/>
+      </pc:docMkLst>
+      <pc:sldChg chg="del">
+        <pc:chgData name="Noritsuna Imamura" userId="5b2da16fa1785921" providerId="LiveId" clId="{342DA2C4-B094-4B86-9045-6AA34CD7B848}" dt="2025-11-12T14:20:14.515" v="15" actId="47"/>
+        <pc:sldMkLst>
+          <pc:docMk/>
+          <pc:sldMk cId="3758935536" sldId="256"/>
+        </pc:sldMkLst>
+      </pc:sldChg>
+      <pc:sldChg chg="del">
+        <pc:chgData name="Noritsuna Imamura" userId="5b2da16fa1785921" providerId="LiveId" clId="{342DA2C4-B094-4B86-9045-6AA34CD7B848}" dt="2025-11-12T14:20:15.634" v="16" actId="47"/>
+        <pc:sldMkLst>
+          <pc:docMk/>
+          <pc:sldMk cId="3406066737" sldId="257"/>
+        </pc:sldMkLst>
+      </pc:sldChg>
+      <pc:sldChg chg="modSp mod">
+        <pc:chgData name="Noritsuna Imamura" userId="5b2da16fa1785921" providerId="LiveId" clId="{342DA2C4-B094-4B86-9045-6AA34CD7B848}" dt="2025-11-12T14:19:34.585" v="14" actId="20577"/>
+        <pc:sldMkLst>
+          <pc:docMk/>
+          <pc:sldMk cId="4294054707" sldId="258"/>
+        </pc:sldMkLst>
+        <pc:spChg chg="mod">
+          <ac:chgData name="Noritsuna Imamura" userId="5b2da16fa1785921" providerId="LiveId" clId="{342DA2C4-B094-4B86-9045-6AA34CD7B848}" dt="2025-11-12T14:19:34.585" v="14" actId="20577"/>
+          <ac:spMkLst>
+            <pc:docMk/>
+            <pc:sldMk cId="4294054707" sldId="258"/>
+            <ac:spMk id="17" creationId="{4255F444-A42B-640F-2630-A2EFB4088670}"/>
+          </ac:spMkLst>
+        </pc:spChg>
+      </pc:sldChg>
+    </pc:docChg>
+  </pc:docChgLst>
   <pc:docChgLst>
     <pc:chgData name="Noritsuna Imamura" userId="5b2da16fa1785921" providerId="LiveId" clId="{7B1361DC-F3A9-405E-AF3A-7346CEC237D8}"/>
     <pc:docChg chg="custSel modSld">
@@ -3894,1964 +3930,6 @@
       </p:grpSpPr>
       <p:sp>
         <p:nvSpPr>
-          <p:cNvPr id="2" name="タイトル 1">
-            <a:extLst>
-              <a:ext uri="{FF2B5EF4-FFF2-40B4-BE49-F238E27FC236}">
-                <a16:creationId xmlns:a16="http://schemas.microsoft.com/office/drawing/2014/main" id="{7B424A56-A70F-7667-086F-62B877A41D6C}"/>
-              </a:ext>
-            </a:extLst>
-          </p:cNvPr>
-          <p:cNvSpPr>
-            <a:spLocks noGrp="1"/>
-          </p:cNvSpPr>
-          <p:nvPr>
-            <p:ph type="ctrTitle"/>
-          </p:nvPr>
-        </p:nvSpPr>
-        <p:spPr/>
-        <p:txBody>
-          <a:bodyPr/>
-          <a:lstStyle/>
-          <a:p>
-            <a:endParaRPr kumimoji="1" lang="ja-JP" altLang="en-US"/>
-          </a:p>
-        </p:txBody>
-      </p:sp>
-      <p:sp>
-        <p:nvSpPr>
-          <p:cNvPr id="3" name="字幕 2">
-            <a:extLst>
-              <a:ext uri="{FF2B5EF4-FFF2-40B4-BE49-F238E27FC236}">
-                <a16:creationId xmlns:a16="http://schemas.microsoft.com/office/drawing/2014/main" id="{F7E9BCEB-A6E7-5852-F2EE-D28D91597319}"/>
-              </a:ext>
-            </a:extLst>
-          </p:cNvPr>
-          <p:cNvSpPr>
-            <a:spLocks noGrp="1"/>
-          </p:cNvSpPr>
-          <p:nvPr>
-            <p:ph type="subTitle" idx="1"/>
-          </p:nvPr>
-        </p:nvSpPr>
-        <p:spPr/>
-        <p:txBody>
-          <a:bodyPr/>
-          <a:lstStyle/>
-          <a:p>
-            <a:endParaRPr kumimoji="1" lang="ja-JP" altLang="en-US"/>
-          </a:p>
-        </p:txBody>
-      </p:sp>
-    </p:spTree>
-    <p:extLst>
-      <p:ext uri="{BB962C8B-B14F-4D97-AF65-F5344CB8AC3E}">
-        <p14:creationId xmlns:p14="http://schemas.microsoft.com/office/powerpoint/2010/main" val="3758935536"/>
-      </p:ext>
-    </p:extLst>
-  </p:cSld>
-  <p:clrMapOvr>
-    <a:masterClrMapping/>
-  </p:clrMapOvr>
-</p:sld>
-</file>
-
-<file path=ppt/slides/slide2.xml><?xml version="1.0" encoding="utf-8"?>
-<p:sld xmlns:a="http://schemas.openxmlformats.org/drawingml/2006/main" xmlns:r="http://schemas.openxmlformats.org/officeDocument/2006/relationships" xmlns:p="http://schemas.openxmlformats.org/presentationml/2006/main">
-  <p:cSld>
-    <p:spTree>
-      <p:nvGrpSpPr>
-        <p:cNvPr id="1" name=""/>
-        <p:cNvGrpSpPr/>
-        <p:nvPr/>
-      </p:nvGrpSpPr>
-      <p:grpSpPr>
-        <a:xfrm>
-          <a:off x="0" y="0"/>
-          <a:ext cx="0" cy="0"/>
-          <a:chOff x="0" y="0"/>
-          <a:chExt cx="0" cy="0"/>
-        </a:xfrm>
-      </p:grpSpPr>
-      <p:pic>
-        <p:nvPicPr>
-          <p:cNvPr id="5" name="図 4" descr="テレビゲームの画面&#10;&#10;中程度の精度で自動的に生成された説明">
-            <a:extLst>
-              <a:ext uri="{FF2B5EF4-FFF2-40B4-BE49-F238E27FC236}">
-                <a16:creationId xmlns:a16="http://schemas.microsoft.com/office/drawing/2014/main" id="{BE187A40-9060-ECA5-AAFB-18E2D429AF33}"/>
-              </a:ext>
-            </a:extLst>
-          </p:cNvPr>
-          <p:cNvPicPr>
-            <a:picLocks noChangeAspect="1"/>
-          </p:cNvPicPr>
-          <p:nvPr/>
-        </p:nvPicPr>
-        <p:blipFill>
-          <a:blip r:embed="rId2">
-            <a:extLst>
-              <a:ext uri="{28A0092B-C50C-407E-A947-70E740481C1C}">
-                <a14:useLocalDpi xmlns:a14="http://schemas.microsoft.com/office/drawing/2010/main" val="0"/>
-              </a:ext>
-            </a:extLst>
-          </a:blip>
-          <a:stretch>
-            <a:fillRect/>
-          </a:stretch>
-        </p:blipFill>
-        <p:spPr>
-          <a:xfrm>
-            <a:off x="479745" y="251460"/>
-            <a:ext cx="6682740" cy="6606540"/>
-          </a:xfrm>
-          <a:prstGeom prst="rect">
-            <a:avLst/>
-          </a:prstGeom>
-        </p:spPr>
-      </p:pic>
-      <p:sp>
-        <p:nvSpPr>
-          <p:cNvPr id="6" name="四角形: 角を丸くする 5">
-            <a:extLst>
-              <a:ext uri="{FF2B5EF4-FFF2-40B4-BE49-F238E27FC236}">
-                <a16:creationId xmlns:a16="http://schemas.microsoft.com/office/drawing/2014/main" id="{8C6F5446-ED54-3A22-D3B1-1089C2799985}"/>
-              </a:ext>
-            </a:extLst>
-          </p:cNvPr>
-          <p:cNvSpPr/>
-          <p:nvPr/>
-        </p:nvSpPr>
-        <p:spPr>
-          <a:xfrm>
-            <a:off x="1803129" y="703799"/>
-            <a:ext cx="1923393" cy="1198179"/>
-          </a:xfrm>
-          <a:prstGeom prst="roundRect">
-            <a:avLst/>
-          </a:prstGeom>
-          <a:solidFill>
-            <a:srgbClr val="FFFF00">
-              <a:alpha val="40000"/>
-            </a:srgbClr>
-          </a:solidFill>
-        </p:spPr>
-        <p:style>
-          <a:lnRef idx="2">
-            <a:schemeClr val="accent1">
-              <a:shade val="15000"/>
-            </a:schemeClr>
-          </a:lnRef>
-          <a:fillRef idx="1">
-            <a:schemeClr val="accent1"/>
-          </a:fillRef>
-          <a:effectRef idx="0">
-            <a:schemeClr val="accent1"/>
-          </a:effectRef>
-          <a:fontRef idx="minor">
-            <a:schemeClr val="lt1"/>
-          </a:fontRef>
-        </p:style>
-        <p:txBody>
-          <a:bodyPr rtlCol="0" anchor="ctr"/>
-          <a:lstStyle/>
-          <a:p>
-            <a:pPr algn="ctr"/>
-            <a:endParaRPr kumimoji="1" lang="ja-JP" altLang="en-US"/>
-          </a:p>
-        </p:txBody>
-      </p:sp>
-      <p:sp>
-        <p:nvSpPr>
-          <p:cNvPr id="7" name="四角形: 角を丸くする 6">
-            <a:extLst>
-              <a:ext uri="{FF2B5EF4-FFF2-40B4-BE49-F238E27FC236}">
-                <a16:creationId xmlns:a16="http://schemas.microsoft.com/office/drawing/2014/main" id="{77EC2976-3D75-FD11-A254-2AC28F767A67}"/>
-              </a:ext>
-            </a:extLst>
-          </p:cNvPr>
-          <p:cNvSpPr/>
-          <p:nvPr/>
-        </p:nvSpPr>
-        <p:spPr>
-          <a:xfrm>
-            <a:off x="5202306" y="403617"/>
-            <a:ext cx="1923393" cy="636513"/>
-          </a:xfrm>
-          <a:prstGeom prst="roundRect">
-            <a:avLst/>
-          </a:prstGeom>
-          <a:solidFill>
-            <a:srgbClr val="FFFF00">
-              <a:alpha val="40000"/>
-            </a:srgbClr>
-          </a:solidFill>
-        </p:spPr>
-        <p:style>
-          <a:lnRef idx="2">
-            <a:schemeClr val="accent1">
-              <a:shade val="15000"/>
-            </a:schemeClr>
-          </a:lnRef>
-          <a:fillRef idx="1">
-            <a:schemeClr val="accent1"/>
-          </a:fillRef>
-          <a:effectRef idx="0">
-            <a:schemeClr val="accent1"/>
-          </a:effectRef>
-          <a:fontRef idx="minor">
-            <a:schemeClr val="lt1"/>
-          </a:fontRef>
-        </p:style>
-        <p:txBody>
-          <a:bodyPr rtlCol="0" anchor="ctr"/>
-          <a:lstStyle/>
-          <a:p>
-            <a:pPr algn="ctr"/>
-            <a:endParaRPr kumimoji="1" lang="ja-JP" altLang="en-US"/>
-          </a:p>
-        </p:txBody>
-      </p:sp>
-      <p:sp>
-        <p:nvSpPr>
-          <p:cNvPr id="8" name="四角形: 角を丸くする 7">
-            <a:extLst>
-              <a:ext uri="{FF2B5EF4-FFF2-40B4-BE49-F238E27FC236}">
-                <a16:creationId xmlns:a16="http://schemas.microsoft.com/office/drawing/2014/main" id="{DE490E27-15B4-68B0-427D-D37D90E6279D}"/>
-              </a:ext>
-            </a:extLst>
-          </p:cNvPr>
-          <p:cNvSpPr/>
-          <p:nvPr/>
-        </p:nvSpPr>
-        <p:spPr>
-          <a:xfrm>
-            <a:off x="5202306" y="1192287"/>
-            <a:ext cx="1923393" cy="636513"/>
-          </a:xfrm>
-          <a:prstGeom prst="roundRect">
-            <a:avLst/>
-          </a:prstGeom>
-          <a:solidFill>
-            <a:srgbClr val="FFFF00">
-              <a:alpha val="40000"/>
-            </a:srgbClr>
-          </a:solidFill>
-        </p:spPr>
-        <p:style>
-          <a:lnRef idx="2">
-            <a:schemeClr val="accent1">
-              <a:shade val="15000"/>
-            </a:schemeClr>
-          </a:lnRef>
-          <a:fillRef idx="1">
-            <a:schemeClr val="accent1"/>
-          </a:fillRef>
-          <a:effectRef idx="0">
-            <a:schemeClr val="accent1"/>
-          </a:effectRef>
-          <a:fontRef idx="minor">
-            <a:schemeClr val="lt1"/>
-          </a:fontRef>
-        </p:style>
-        <p:txBody>
-          <a:bodyPr rtlCol="0" anchor="ctr"/>
-          <a:lstStyle/>
-          <a:p>
-            <a:pPr algn="ctr"/>
-            <a:endParaRPr kumimoji="1" lang="ja-JP" altLang="en-US"/>
-          </a:p>
-        </p:txBody>
-      </p:sp>
-      <p:sp>
-        <p:nvSpPr>
-          <p:cNvPr id="9" name="四角形: 角を丸くする 8">
-            <a:extLst>
-              <a:ext uri="{FF2B5EF4-FFF2-40B4-BE49-F238E27FC236}">
-                <a16:creationId xmlns:a16="http://schemas.microsoft.com/office/drawing/2014/main" id="{3C3B6E4C-F29F-52E9-BCDD-68F2DB854E0E}"/>
-              </a:ext>
-            </a:extLst>
-          </p:cNvPr>
-          <p:cNvSpPr/>
-          <p:nvPr/>
-        </p:nvSpPr>
-        <p:spPr>
-          <a:xfrm>
-            <a:off x="5202306" y="2083596"/>
-            <a:ext cx="1923393" cy="636513"/>
-          </a:xfrm>
-          <a:prstGeom prst="roundRect">
-            <a:avLst/>
-          </a:prstGeom>
-          <a:solidFill>
-            <a:srgbClr val="FFFF00">
-              <a:alpha val="40000"/>
-            </a:srgbClr>
-          </a:solidFill>
-        </p:spPr>
-        <p:style>
-          <a:lnRef idx="2">
-            <a:schemeClr val="accent1">
-              <a:shade val="15000"/>
-            </a:schemeClr>
-          </a:lnRef>
-          <a:fillRef idx="1">
-            <a:schemeClr val="accent1"/>
-          </a:fillRef>
-          <a:effectRef idx="0">
-            <a:schemeClr val="accent1"/>
-          </a:effectRef>
-          <a:fontRef idx="minor">
-            <a:schemeClr val="lt1"/>
-          </a:fontRef>
-        </p:style>
-        <p:txBody>
-          <a:bodyPr rtlCol="0" anchor="ctr"/>
-          <a:lstStyle/>
-          <a:p>
-            <a:pPr algn="ctr"/>
-            <a:endParaRPr kumimoji="1" lang="ja-JP" altLang="en-US"/>
-          </a:p>
-        </p:txBody>
-      </p:sp>
-      <p:sp>
-        <p:nvSpPr>
-          <p:cNvPr id="10" name="四角形: 角を丸くする 9">
-            <a:extLst>
-              <a:ext uri="{FF2B5EF4-FFF2-40B4-BE49-F238E27FC236}">
-                <a16:creationId xmlns:a16="http://schemas.microsoft.com/office/drawing/2014/main" id="{D626C938-EBC7-CC78-42BD-1AE11DB6D5AA}"/>
-              </a:ext>
-            </a:extLst>
-          </p:cNvPr>
-          <p:cNvSpPr/>
-          <p:nvPr/>
-        </p:nvSpPr>
-        <p:spPr>
-          <a:xfrm>
-            <a:off x="5239092" y="3085741"/>
-            <a:ext cx="1923393" cy="636513"/>
-          </a:xfrm>
-          <a:prstGeom prst="roundRect">
-            <a:avLst/>
-          </a:prstGeom>
-          <a:solidFill>
-            <a:srgbClr val="FFFF00">
-              <a:alpha val="40000"/>
-            </a:srgbClr>
-          </a:solidFill>
-        </p:spPr>
-        <p:style>
-          <a:lnRef idx="2">
-            <a:schemeClr val="accent1">
-              <a:shade val="15000"/>
-            </a:schemeClr>
-          </a:lnRef>
-          <a:fillRef idx="1">
-            <a:schemeClr val="accent1"/>
-          </a:fillRef>
-          <a:effectRef idx="0">
-            <a:schemeClr val="accent1"/>
-          </a:effectRef>
-          <a:fontRef idx="minor">
-            <a:schemeClr val="lt1"/>
-          </a:fontRef>
-        </p:style>
-        <p:txBody>
-          <a:bodyPr rtlCol="0" anchor="ctr"/>
-          <a:lstStyle/>
-          <a:p>
-            <a:pPr algn="ctr"/>
-            <a:endParaRPr kumimoji="1" lang="ja-JP" altLang="en-US"/>
-          </a:p>
-        </p:txBody>
-      </p:sp>
-      <p:sp>
-        <p:nvSpPr>
-          <p:cNvPr id="11" name="四角形: 角を丸くする 10">
-            <a:extLst>
-              <a:ext uri="{FF2B5EF4-FFF2-40B4-BE49-F238E27FC236}">
-                <a16:creationId xmlns:a16="http://schemas.microsoft.com/office/drawing/2014/main" id="{23101638-37EA-92BE-0195-32557F79A9D6}"/>
-              </a:ext>
-            </a:extLst>
-          </p:cNvPr>
-          <p:cNvSpPr/>
-          <p:nvPr/>
-        </p:nvSpPr>
-        <p:spPr>
-          <a:xfrm>
-            <a:off x="5202306" y="3969725"/>
-            <a:ext cx="1923393" cy="636513"/>
-          </a:xfrm>
-          <a:prstGeom prst="roundRect">
-            <a:avLst/>
-          </a:prstGeom>
-          <a:solidFill>
-            <a:srgbClr val="FFFF00">
-              <a:alpha val="40000"/>
-            </a:srgbClr>
-          </a:solidFill>
-        </p:spPr>
-        <p:style>
-          <a:lnRef idx="2">
-            <a:schemeClr val="accent1">
-              <a:shade val="15000"/>
-            </a:schemeClr>
-          </a:lnRef>
-          <a:fillRef idx="1">
-            <a:schemeClr val="accent1"/>
-          </a:fillRef>
-          <a:effectRef idx="0">
-            <a:schemeClr val="accent1"/>
-          </a:effectRef>
-          <a:fontRef idx="minor">
-            <a:schemeClr val="lt1"/>
-          </a:fontRef>
-        </p:style>
-        <p:txBody>
-          <a:bodyPr rtlCol="0" anchor="ctr"/>
-          <a:lstStyle/>
-          <a:p>
-            <a:pPr algn="ctr"/>
-            <a:endParaRPr kumimoji="1" lang="ja-JP" altLang="en-US"/>
-          </a:p>
-        </p:txBody>
-      </p:sp>
-      <p:sp>
-        <p:nvSpPr>
-          <p:cNvPr id="12" name="四角形: 角を丸くする 11">
-            <a:extLst>
-              <a:ext uri="{FF2B5EF4-FFF2-40B4-BE49-F238E27FC236}">
-                <a16:creationId xmlns:a16="http://schemas.microsoft.com/office/drawing/2014/main" id="{17EE1201-9C6C-8462-8C94-3CDDF2C4ADF7}"/>
-              </a:ext>
-            </a:extLst>
-          </p:cNvPr>
-          <p:cNvSpPr/>
-          <p:nvPr/>
-        </p:nvSpPr>
-        <p:spPr>
-          <a:xfrm>
-            <a:off x="1803129" y="2036061"/>
-            <a:ext cx="1923393" cy="537306"/>
-          </a:xfrm>
-          <a:prstGeom prst="roundRect">
-            <a:avLst/>
-          </a:prstGeom>
-          <a:solidFill>
-            <a:srgbClr val="FFFF00">
-              <a:alpha val="40000"/>
-            </a:srgbClr>
-          </a:solidFill>
-        </p:spPr>
-        <p:style>
-          <a:lnRef idx="2">
-            <a:schemeClr val="accent1">
-              <a:shade val="15000"/>
-            </a:schemeClr>
-          </a:lnRef>
-          <a:fillRef idx="1">
-            <a:schemeClr val="accent1"/>
-          </a:fillRef>
-          <a:effectRef idx="0">
-            <a:schemeClr val="accent1"/>
-          </a:effectRef>
-          <a:fontRef idx="minor">
-            <a:schemeClr val="lt1"/>
-          </a:fontRef>
-        </p:style>
-        <p:txBody>
-          <a:bodyPr rtlCol="0" anchor="ctr"/>
-          <a:lstStyle/>
-          <a:p>
-            <a:pPr algn="ctr"/>
-            <a:endParaRPr kumimoji="1" lang="ja-JP" altLang="en-US"/>
-          </a:p>
-        </p:txBody>
-      </p:sp>
-      <p:sp>
-        <p:nvSpPr>
-          <p:cNvPr id="13" name="四角形: 角を丸くする 12">
-            <a:extLst>
-              <a:ext uri="{FF2B5EF4-FFF2-40B4-BE49-F238E27FC236}">
-                <a16:creationId xmlns:a16="http://schemas.microsoft.com/office/drawing/2014/main" id="{99BA8200-A743-5B4D-1029-ABEB5894F901}"/>
-              </a:ext>
-            </a:extLst>
-          </p:cNvPr>
-          <p:cNvSpPr/>
-          <p:nvPr/>
-        </p:nvSpPr>
-        <p:spPr>
-          <a:xfrm>
-            <a:off x="1803129" y="2761030"/>
-            <a:ext cx="1923393" cy="636513"/>
-          </a:xfrm>
-          <a:prstGeom prst="roundRect">
-            <a:avLst/>
-          </a:prstGeom>
-          <a:solidFill>
-            <a:srgbClr val="FFFF00">
-              <a:alpha val="40000"/>
-            </a:srgbClr>
-          </a:solidFill>
-        </p:spPr>
-        <p:style>
-          <a:lnRef idx="2">
-            <a:schemeClr val="accent1">
-              <a:shade val="15000"/>
-            </a:schemeClr>
-          </a:lnRef>
-          <a:fillRef idx="1">
-            <a:schemeClr val="accent1"/>
-          </a:fillRef>
-          <a:effectRef idx="0">
-            <a:schemeClr val="accent1"/>
-          </a:effectRef>
-          <a:fontRef idx="minor">
-            <a:schemeClr val="lt1"/>
-          </a:fontRef>
-        </p:style>
-        <p:txBody>
-          <a:bodyPr rtlCol="0" anchor="ctr"/>
-          <a:lstStyle/>
-          <a:p>
-            <a:pPr algn="ctr"/>
-            <a:endParaRPr kumimoji="1" lang="ja-JP" altLang="en-US"/>
-          </a:p>
-        </p:txBody>
-      </p:sp>
-      <p:sp>
-        <p:nvSpPr>
-          <p:cNvPr id="14" name="四角形: 角を丸くする 13">
-            <a:extLst>
-              <a:ext uri="{FF2B5EF4-FFF2-40B4-BE49-F238E27FC236}">
-                <a16:creationId xmlns:a16="http://schemas.microsoft.com/office/drawing/2014/main" id="{2A321F5C-1E37-5942-A372-B2889AD0FFD6}"/>
-              </a:ext>
-            </a:extLst>
-          </p:cNvPr>
-          <p:cNvSpPr/>
-          <p:nvPr/>
-        </p:nvSpPr>
-        <p:spPr>
-          <a:xfrm>
-            <a:off x="1803129" y="3554730"/>
-            <a:ext cx="1923393" cy="636513"/>
-          </a:xfrm>
-          <a:prstGeom prst="roundRect">
-            <a:avLst/>
-          </a:prstGeom>
-          <a:solidFill>
-            <a:srgbClr val="FFFF00">
-              <a:alpha val="40000"/>
-            </a:srgbClr>
-          </a:solidFill>
-        </p:spPr>
-        <p:style>
-          <a:lnRef idx="2">
-            <a:schemeClr val="accent1">
-              <a:shade val="15000"/>
-            </a:schemeClr>
-          </a:lnRef>
-          <a:fillRef idx="1">
-            <a:schemeClr val="accent1"/>
-          </a:fillRef>
-          <a:effectRef idx="0">
-            <a:schemeClr val="accent1"/>
-          </a:effectRef>
-          <a:fontRef idx="minor">
-            <a:schemeClr val="lt1"/>
-          </a:fontRef>
-        </p:style>
-        <p:txBody>
-          <a:bodyPr rtlCol="0" anchor="ctr"/>
-          <a:lstStyle/>
-          <a:p>
-            <a:pPr algn="ctr"/>
-            <a:endParaRPr kumimoji="1" lang="ja-JP" altLang="en-US"/>
-          </a:p>
-        </p:txBody>
-      </p:sp>
-      <p:sp>
-        <p:nvSpPr>
-          <p:cNvPr id="15" name="四角形: 角を丸くする 14">
-            <a:extLst>
-              <a:ext uri="{FF2B5EF4-FFF2-40B4-BE49-F238E27FC236}">
-                <a16:creationId xmlns:a16="http://schemas.microsoft.com/office/drawing/2014/main" id="{5A15305D-723C-2026-71C6-33E544BF3863}"/>
-              </a:ext>
-            </a:extLst>
-          </p:cNvPr>
-          <p:cNvSpPr/>
-          <p:nvPr/>
-        </p:nvSpPr>
-        <p:spPr>
-          <a:xfrm>
-            <a:off x="1803128" y="4412665"/>
-            <a:ext cx="1923393" cy="636514"/>
-          </a:xfrm>
-          <a:prstGeom prst="roundRect">
-            <a:avLst/>
-          </a:prstGeom>
-          <a:solidFill>
-            <a:srgbClr val="FFFF00">
-              <a:alpha val="40000"/>
-            </a:srgbClr>
-          </a:solidFill>
-        </p:spPr>
-        <p:style>
-          <a:lnRef idx="2">
-            <a:schemeClr val="accent1">
-              <a:shade val="15000"/>
-            </a:schemeClr>
-          </a:lnRef>
-          <a:fillRef idx="1">
-            <a:schemeClr val="accent1"/>
-          </a:fillRef>
-          <a:effectRef idx="0">
-            <a:schemeClr val="accent1"/>
-          </a:effectRef>
-          <a:fontRef idx="minor">
-            <a:schemeClr val="lt1"/>
-          </a:fontRef>
-        </p:style>
-        <p:txBody>
-          <a:bodyPr rtlCol="0" anchor="ctr"/>
-          <a:lstStyle/>
-          <a:p>
-            <a:pPr algn="ctr"/>
-            <a:endParaRPr kumimoji="1" lang="ja-JP" altLang="en-US"/>
-          </a:p>
-        </p:txBody>
-      </p:sp>
-      <p:sp>
-        <p:nvSpPr>
-          <p:cNvPr id="16" name="吹き出し: 角を丸めた四角形 15">
-            <a:extLst>
-              <a:ext uri="{FF2B5EF4-FFF2-40B4-BE49-F238E27FC236}">
-                <a16:creationId xmlns:a16="http://schemas.microsoft.com/office/drawing/2014/main" id="{75D2D778-3001-C320-33C9-7780F9FBFE12}"/>
-              </a:ext>
-            </a:extLst>
-          </p:cNvPr>
-          <p:cNvSpPr/>
-          <p:nvPr/>
-        </p:nvSpPr>
-        <p:spPr>
-          <a:xfrm>
-            <a:off x="412897" y="495185"/>
-            <a:ext cx="1182254" cy="697102"/>
-          </a:xfrm>
-          <a:prstGeom prst="wedgeRoundRectCallout">
-            <a:avLst>
-              <a:gd name="adj1" fmla="val 75643"/>
-              <a:gd name="adj2" fmla="val 77754"/>
-              <a:gd name="adj3" fmla="val 16667"/>
-            </a:avLst>
-          </a:prstGeom>
-          <a:solidFill>
-            <a:schemeClr val="accent6">
-              <a:lumMod val="60000"/>
-              <a:lumOff val="40000"/>
-            </a:schemeClr>
-          </a:solidFill>
-        </p:spPr>
-        <p:style>
-          <a:lnRef idx="2">
-            <a:schemeClr val="accent1">
-              <a:shade val="15000"/>
-            </a:schemeClr>
-          </a:lnRef>
-          <a:fillRef idx="1">
-            <a:schemeClr val="accent1"/>
-          </a:fillRef>
-          <a:effectRef idx="0">
-            <a:schemeClr val="accent1"/>
-          </a:effectRef>
-          <a:fontRef idx="minor">
-            <a:schemeClr val="lt1"/>
-          </a:fontRef>
-        </p:style>
-        <p:txBody>
-          <a:bodyPr rtlCol="0" anchor="ctr"/>
-          <a:lstStyle/>
-          <a:p>
-            <a:pPr algn="ctr"/>
-            <a:r>
-              <a:rPr kumimoji="1" lang="en-US" altLang="ja-JP" dirty="0">
-                <a:ln w="0"/>
-                <a:solidFill>
-                  <a:schemeClr val="tx1"/>
-                </a:solidFill>
-                <a:effectLst>
-                  <a:outerShdw blurRad="38100" dist="19050" dir="2700000" algn="tl" rotWithShape="0">
-                    <a:schemeClr val="dk1">
-                      <a:alpha val="40000"/>
-                    </a:schemeClr>
-                  </a:outerShdw>
-                </a:effectLst>
-              </a:rPr>
-              <a:t>Ice458’s</a:t>
-            </a:r>
-          </a:p>
-          <a:p>
-            <a:pPr algn="ctr"/>
-            <a:r>
-              <a:rPr kumimoji="1" lang="en-US" altLang="ja-JP" dirty="0">
-                <a:ln w="0"/>
-                <a:solidFill>
-                  <a:schemeClr val="tx1"/>
-                </a:solidFill>
-                <a:effectLst>
-                  <a:outerShdw blurRad="38100" dist="19050" dir="2700000" algn="tl" rotWithShape="0">
-                    <a:schemeClr val="dk1">
-                      <a:alpha val="40000"/>
-                    </a:schemeClr>
-                  </a:outerShdw>
-                </a:effectLst>
-              </a:rPr>
-              <a:t>Design</a:t>
-            </a:r>
-            <a:endParaRPr kumimoji="1" lang="ja-JP" altLang="en-US" dirty="0">
-              <a:ln w="0"/>
-              <a:solidFill>
-                <a:schemeClr val="tx1"/>
-              </a:solidFill>
-              <a:effectLst>
-                <a:outerShdw blurRad="38100" dist="19050" dir="2700000" algn="tl" rotWithShape="0">
-                  <a:schemeClr val="dk1">
-                    <a:alpha val="40000"/>
-                  </a:schemeClr>
-                </a:outerShdw>
-              </a:effectLst>
-            </a:endParaRPr>
-          </a:p>
-        </p:txBody>
-      </p:sp>
-      <p:sp>
-        <p:nvSpPr>
-          <p:cNvPr id="17" name="吹き出し: 角を丸めた四角形 16">
-            <a:extLst>
-              <a:ext uri="{FF2B5EF4-FFF2-40B4-BE49-F238E27FC236}">
-                <a16:creationId xmlns:a16="http://schemas.microsoft.com/office/drawing/2014/main" id="{D60C8CF9-ECED-174E-4D3D-4A64F21EE122}"/>
-              </a:ext>
-            </a:extLst>
-          </p:cNvPr>
-          <p:cNvSpPr/>
-          <p:nvPr/>
-        </p:nvSpPr>
-        <p:spPr>
-          <a:xfrm>
-            <a:off x="73573" y="1436012"/>
-            <a:ext cx="1521575" cy="697102"/>
-          </a:xfrm>
-          <a:prstGeom prst="wedgeRoundRectCallout">
-            <a:avLst>
-              <a:gd name="adj1" fmla="val 75643"/>
-              <a:gd name="adj2" fmla="val 77754"/>
-              <a:gd name="adj3" fmla="val 16667"/>
-            </a:avLst>
-          </a:prstGeom>
-          <a:solidFill>
-            <a:schemeClr val="accent6">
-              <a:lumMod val="60000"/>
-              <a:lumOff val="40000"/>
-            </a:schemeClr>
-          </a:solidFill>
-        </p:spPr>
-        <p:style>
-          <a:lnRef idx="2">
-            <a:schemeClr val="accent1">
-              <a:shade val="15000"/>
-            </a:schemeClr>
-          </a:lnRef>
-          <a:fillRef idx="1">
-            <a:schemeClr val="accent1"/>
-          </a:fillRef>
-          <a:effectRef idx="0">
-            <a:schemeClr val="accent1"/>
-          </a:effectRef>
-          <a:fontRef idx="minor">
-            <a:schemeClr val="lt1"/>
-          </a:fontRef>
-        </p:style>
-        <p:txBody>
-          <a:bodyPr rtlCol="0" anchor="ctr"/>
-          <a:lstStyle/>
-          <a:p>
-            <a:pPr algn="ctr"/>
-            <a:r>
-              <a:rPr lang="en-US" altLang="ja-JP" dirty="0">
-                <a:ln w="0"/>
-                <a:solidFill>
-                  <a:schemeClr val="tx1"/>
-                </a:solidFill>
-                <a:effectLst>
-                  <a:outerShdw blurRad="38100" dist="19050" dir="2700000" algn="tl" rotWithShape="0">
-                    <a:schemeClr val="dk1">
-                      <a:alpha val="40000"/>
-                    </a:schemeClr>
-                  </a:outerShdw>
-                </a:effectLst>
-              </a:rPr>
-              <a:t>Noritsuna</a:t>
-            </a:r>
-            <a:r>
-              <a:rPr kumimoji="1" lang="en-US" altLang="ja-JP" dirty="0">
-                <a:ln w="0"/>
-                <a:solidFill>
-                  <a:schemeClr val="tx1"/>
-                </a:solidFill>
-                <a:effectLst>
-                  <a:outerShdw blurRad="38100" dist="19050" dir="2700000" algn="tl" rotWithShape="0">
-                    <a:schemeClr val="dk1">
-                      <a:alpha val="40000"/>
-                    </a:schemeClr>
-                  </a:outerShdw>
-                </a:effectLst>
-              </a:rPr>
-              <a:t>’s</a:t>
-            </a:r>
-          </a:p>
-          <a:p>
-            <a:pPr algn="ctr"/>
-            <a:r>
-              <a:rPr kumimoji="1" lang="en-US" altLang="ja-JP" dirty="0">
-                <a:ln w="0"/>
-                <a:solidFill>
-                  <a:schemeClr val="tx1"/>
-                </a:solidFill>
-                <a:effectLst>
-                  <a:outerShdw blurRad="38100" dist="19050" dir="2700000" algn="tl" rotWithShape="0">
-                    <a:schemeClr val="dk1">
-                      <a:alpha val="40000"/>
-                    </a:schemeClr>
-                  </a:outerShdw>
-                </a:effectLst>
-              </a:rPr>
-              <a:t>Design</a:t>
-            </a:r>
-            <a:endParaRPr kumimoji="1" lang="ja-JP" altLang="en-US" dirty="0">
-              <a:ln w="0"/>
-              <a:solidFill>
-                <a:schemeClr val="tx1"/>
-              </a:solidFill>
-              <a:effectLst>
-                <a:outerShdw blurRad="38100" dist="19050" dir="2700000" algn="tl" rotWithShape="0">
-                  <a:schemeClr val="dk1">
-                    <a:alpha val="40000"/>
-                  </a:schemeClr>
-                </a:outerShdw>
-              </a:effectLst>
-            </a:endParaRPr>
-          </a:p>
-        </p:txBody>
-      </p:sp>
-      <p:sp>
-        <p:nvSpPr>
-          <p:cNvPr id="18" name="吹き出し: 角を丸めた四角形 17">
-            <a:extLst>
-              <a:ext uri="{FF2B5EF4-FFF2-40B4-BE49-F238E27FC236}">
-                <a16:creationId xmlns:a16="http://schemas.microsoft.com/office/drawing/2014/main" id="{6EF704F7-D22F-6964-B031-32B8A0BB94C6}"/>
-              </a:ext>
-            </a:extLst>
-          </p:cNvPr>
-          <p:cNvSpPr/>
-          <p:nvPr/>
-        </p:nvSpPr>
-        <p:spPr>
-          <a:xfrm>
-            <a:off x="73572" y="3306973"/>
-            <a:ext cx="1521575" cy="697102"/>
-          </a:xfrm>
-          <a:prstGeom prst="wedgeRoundRectCallout">
-            <a:avLst>
-              <a:gd name="adj1" fmla="val 70787"/>
-              <a:gd name="adj2" fmla="val 60529"/>
-              <a:gd name="adj3" fmla="val 16667"/>
-            </a:avLst>
-          </a:prstGeom>
-          <a:solidFill>
-            <a:schemeClr val="accent6">
-              <a:lumMod val="60000"/>
-              <a:lumOff val="40000"/>
-            </a:schemeClr>
-          </a:solidFill>
-        </p:spPr>
-        <p:style>
-          <a:lnRef idx="2">
-            <a:schemeClr val="accent1">
-              <a:shade val="15000"/>
-            </a:schemeClr>
-          </a:lnRef>
-          <a:fillRef idx="1">
-            <a:schemeClr val="accent1"/>
-          </a:fillRef>
-          <a:effectRef idx="0">
-            <a:schemeClr val="accent1"/>
-          </a:effectRef>
-          <a:fontRef idx="minor">
-            <a:schemeClr val="lt1"/>
-          </a:fontRef>
-        </p:style>
-        <p:txBody>
-          <a:bodyPr rtlCol="0" anchor="ctr"/>
-          <a:lstStyle/>
-          <a:p>
-            <a:pPr algn="ctr"/>
-            <a:r>
-              <a:rPr kumimoji="1" lang="en-US" altLang="ja-JP" dirty="0">
-                <a:ln w="0"/>
-                <a:solidFill>
-                  <a:schemeClr val="tx1"/>
-                </a:solidFill>
-                <a:effectLst>
-                  <a:outerShdw blurRad="38100" dist="19050" dir="2700000" algn="tl" rotWithShape="0">
-                    <a:schemeClr val="dk1">
-                      <a:alpha val="40000"/>
-                    </a:schemeClr>
-                  </a:outerShdw>
-                </a:effectLst>
-              </a:rPr>
-              <a:t>3zki’s</a:t>
-            </a:r>
-          </a:p>
-          <a:p>
-            <a:pPr algn="ctr"/>
-            <a:r>
-              <a:rPr kumimoji="1" lang="en-US" altLang="ja-JP" dirty="0">
-                <a:ln w="0"/>
-                <a:solidFill>
-                  <a:schemeClr val="tx1"/>
-                </a:solidFill>
-                <a:effectLst>
-                  <a:outerShdw blurRad="38100" dist="19050" dir="2700000" algn="tl" rotWithShape="0">
-                    <a:schemeClr val="dk1">
-                      <a:alpha val="40000"/>
-                    </a:schemeClr>
-                  </a:outerShdw>
-                </a:effectLst>
-              </a:rPr>
-              <a:t>Design</a:t>
-            </a:r>
-            <a:endParaRPr kumimoji="1" lang="ja-JP" altLang="en-US" dirty="0">
-              <a:ln w="0"/>
-              <a:solidFill>
-                <a:schemeClr val="tx1"/>
-              </a:solidFill>
-              <a:effectLst>
-                <a:outerShdw blurRad="38100" dist="19050" dir="2700000" algn="tl" rotWithShape="0">
-                  <a:schemeClr val="dk1">
-                    <a:alpha val="40000"/>
-                  </a:schemeClr>
-                </a:outerShdw>
-              </a:effectLst>
-            </a:endParaRPr>
-          </a:p>
-        </p:txBody>
-      </p:sp>
-      <p:sp>
-        <p:nvSpPr>
-          <p:cNvPr id="19" name="吹き出し: 角を丸めた四角形 18">
-            <a:extLst>
-              <a:ext uri="{FF2B5EF4-FFF2-40B4-BE49-F238E27FC236}">
-                <a16:creationId xmlns:a16="http://schemas.microsoft.com/office/drawing/2014/main" id="{F51570F2-5B0C-D268-25D2-AA34025B25B7}"/>
-              </a:ext>
-            </a:extLst>
-          </p:cNvPr>
-          <p:cNvSpPr/>
-          <p:nvPr/>
-        </p:nvSpPr>
-        <p:spPr>
-          <a:xfrm>
-            <a:off x="96393" y="4200469"/>
-            <a:ext cx="1521575" cy="697102"/>
-          </a:xfrm>
-          <a:prstGeom prst="wedgeRoundRectCallout">
-            <a:avLst>
-              <a:gd name="adj1" fmla="val 72608"/>
-              <a:gd name="adj2" fmla="val 57879"/>
-              <a:gd name="adj3" fmla="val 16667"/>
-            </a:avLst>
-          </a:prstGeom>
-          <a:solidFill>
-            <a:schemeClr val="accent6">
-              <a:lumMod val="60000"/>
-              <a:lumOff val="40000"/>
-            </a:schemeClr>
-          </a:solidFill>
-        </p:spPr>
-        <p:style>
-          <a:lnRef idx="2">
-            <a:schemeClr val="accent1">
-              <a:shade val="15000"/>
-            </a:schemeClr>
-          </a:lnRef>
-          <a:fillRef idx="1">
-            <a:schemeClr val="accent1"/>
-          </a:fillRef>
-          <a:effectRef idx="0">
-            <a:schemeClr val="accent1"/>
-          </a:effectRef>
-          <a:fontRef idx="minor">
-            <a:schemeClr val="lt1"/>
-          </a:fontRef>
-        </p:style>
-        <p:txBody>
-          <a:bodyPr rtlCol="0" anchor="ctr"/>
-          <a:lstStyle/>
-          <a:p>
-            <a:pPr algn="ctr"/>
-            <a:r>
-              <a:rPr lang="en-US" altLang="ja-JP" dirty="0">
-                <a:ln w="0"/>
-                <a:solidFill>
-                  <a:schemeClr val="tx1"/>
-                </a:solidFill>
-                <a:effectLst>
-                  <a:outerShdw blurRad="38100" dist="19050" dir="2700000" algn="tl" rotWithShape="0">
-                    <a:schemeClr val="dk1">
-                      <a:alpha val="40000"/>
-                    </a:schemeClr>
-                  </a:outerShdw>
-                </a:effectLst>
-              </a:rPr>
-              <a:t>Yamada3</a:t>
-            </a:r>
-            <a:r>
-              <a:rPr kumimoji="1" lang="en-US" altLang="ja-JP" dirty="0">
-                <a:ln w="0"/>
-                <a:solidFill>
-                  <a:schemeClr val="tx1"/>
-                </a:solidFill>
-                <a:effectLst>
-                  <a:outerShdw blurRad="38100" dist="19050" dir="2700000" algn="tl" rotWithShape="0">
-                    <a:schemeClr val="dk1">
-                      <a:alpha val="40000"/>
-                    </a:schemeClr>
-                  </a:outerShdw>
-                </a:effectLst>
-              </a:rPr>
-              <a:t>’s</a:t>
-            </a:r>
-          </a:p>
-          <a:p>
-            <a:pPr algn="ctr"/>
-            <a:r>
-              <a:rPr kumimoji="1" lang="en-US" altLang="ja-JP" dirty="0">
-                <a:ln w="0"/>
-                <a:solidFill>
-                  <a:schemeClr val="tx1"/>
-                </a:solidFill>
-                <a:effectLst>
-                  <a:outerShdw blurRad="38100" dist="19050" dir="2700000" algn="tl" rotWithShape="0">
-                    <a:schemeClr val="dk1">
-                      <a:alpha val="40000"/>
-                    </a:schemeClr>
-                  </a:outerShdw>
-                </a:effectLst>
-              </a:rPr>
-              <a:t>Design</a:t>
-            </a:r>
-            <a:endParaRPr kumimoji="1" lang="ja-JP" altLang="en-US" dirty="0">
-              <a:ln w="0"/>
-              <a:solidFill>
-                <a:schemeClr val="tx1"/>
-              </a:solidFill>
-              <a:effectLst>
-                <a:outerShdw blurRad="38100" dist="19050" dir="2700000" algn="tl" rotWithShape="0">
-                  <a:schemeClr val="dk1">
-                    <a:alpha val="40000"/>
-                  </a:schemeClr>
-                </a:outerShdw>
-              </a:effectLst>
-            </a:endParaRPr>
-          </a:p>
-        </p:txBody>
-      </p:sp>
-      <p:sp>
-        <p:nvSpPr>
-          <p:cNvPr id="20" name="吹き出し: 角を丸めた四角形 19">
-            <a:extLst>
-              <a:ext uri="{FF2B5EF4-FFF2-40B4-BE49-F238E27FC236}">
-                <a16:creationId xmlns:a16="http://schemas.microsoft.com/office/drawing/2014/main" id="{D568A7A0-7868-AFAF-A750-AF7254341BE8}"/>
-              </a:ext>
-            </a:extLst>
-          </p:cNvPr>
-          <p:cNvSpPr/>
-          <p:nvPr/>
-        </p:nvSpPr>
-        <p:spPr>
-          <a:xfrm>
-            <a:off x="3504886" y="24771"/>
-            <a:ext cx="1630573" cy="697102"/>
-          </a:xfrm>
-          <a:prstGeom prst="wedgeRoundRectCallout">
-            <a:avLst>
-              <a:gd name="adj1" fmla="val 75643"/>
-              <a:gd name="adj2" fmla="val 77754"/>
-              <a:gd name="adj3" fmla="val 16667"/>
-            </a:avLst>
-          </a:prstGeom>
-          <a:solidFill>
-            <a:schemeClr val="accent2">
-              <a:lumMod val="40000"/>
-              <a:lumOff val="60000"/>
-            </a:schemeClr>
-          </a:solidFill>
-        </p:spPr>
-        <p:style>
-          <a:lnRef idx="2">
-            <a:schemeClr val="accent1">
-              <a:shade val="15000"/>
-            </a:schemeClr>
-          </a:lnRef>
-          <a:fillRef idx="1">
-            <a:schemeClr val="accent1"/>
-          </a:fillRef>
-          <a:effectRef idx="0">
-            <a:schemeClr val="accent1"/>
-          </a:effectRef>
-          <a:fontRef idx="minor">
-            <a:schemeClr val="lt1"/>
-          </a:fontRef>
-        </p:style>
-        <p:txBody>
-          <a:bodyPr rtlCol="0" anchor="ctr"/>
-          <a:lstStyle/>
-          <a:p>
-            <a:pPr algn="ctr"/>
-            <a:r>
-              <a:rPr lang="en-US" altLang="ja-JP" dirty="0">
-                <a:ln w="0"/>
-                <a:solidFill>
-                  <a:schemeClr val="tx1"/>
-                </a:solidFill>
-                <a:effectLst>
-                  <a:outerShdw blurRad="38100" dist="19050" dir="2700000" algn="tl" rotWithShape="0">
-                    <a:schemeClr val="dk1">
-                      <a:alpha val="40000"/>
-                    </a:schemeClr>
-                  </a:outerShdw>
-                </a:effectLst>
-              </a:rPr>
-              <a:t>ponzu840w</a:t>
-            </a:r>
-            <a:r>
-              <a:rPr kumimoji="1" lang="en-US" altLang="ja-JP" dirty="0">
-                <a:ln w="0"/>
-                <a:solidFill>
-                  <a:schemeClr val="tx1"/>
-                </a:solidFill>
-                <a:effectLst>
-                  <a:outerShdw blurRad="38100" dist="19050" dir="2700000" algn="tl" rotWithShape="0">
-                    <a:schemeClr val="dk1">
-                      <a:alpha val="40000"/>
-                    </a:schemeClr>
-                  </a:outerShdw>
-                </a:effectLst>
-              </a:rPr>
-              <a:t>’s</a:t>
-            </a:r>
-          </a:p>
-          <a:p>
-            <a:pPr algn="ctr"/>
-            <a:r>
-              <a:rPr kumimoji="1" lang="en-US" altLang="ja-JP" dirty="0">
-                <a:ln w="0"/>
-                <a:solidFill>
-                  <a:schemeClr val="tx1"/>
-                </a:solidFill>
-                <a:effectLst>
-                  <a:outerShdw blurRad="38100" dist="19050" dir="2700000" algn="tl" rotWithShape="0">
-                    <a:schemeClr val="dk1">
-                      <a:alpha val="40000"/>
-                    </a:schemeClr>
-                  </a:outerShdw>
-                </a:effectLst>
-              </a:rPr>
-              <a:t>Design</a:t>
-            </a:r>
-            <a:endParaRPr kumimoji="1" lang="ja-JP" altLang="en-US" dirty="0">
-              <a:ln w="0"/>
-              <a:solidFill>
-                <a:schemeClr val="tx1"/>
-              </a:solidFill>
-              <a:effectLst>
-                <a:outerShdw blurRad="38100" dist="19050" dir="2700000" algn="tl" rotWithShape="0">
-                  <a:schemeClr val="dk1">
-                    <a:alpha val="40000"/>
-                  </a:schemeClr>
-                </a:outerShdw>
-              </a:effectLst>
-            </a:endParaRPr>
-          </a:p>
-        </p:txBody>
-      </p:sp>
-      <p:sp>
-        <p:nvSpPr>
-          <p:cNvPr id="21" name="吹き出し: 角を丸めた四角形 20">
-            <a:extLst>
-              <a:ext uri="{FF2B5EF4-FFF2-40B4-BE49-F238E27FC236}">
-                <a16:creationId xmlns:a16="http://schemas.microsoft.com/office/drawing/2014/main" id="{83B103B8-3B0C-E8BE-880F-C2FBDA30BEC1}"/>
-              </a:ext>
-            </a:extLst>
-          </p:cNvPr>
-          <p:cNvSpPr/>
-          <p:nvPr/>
-        </p:nvSpPr>
-        <p:spPr>
-          <a:xfrm>
-            <a:off x="3793369" y="944816"/>
-            <a:ext cx="1521575" cy="697102"/>
-          </a:xfrm>
-          <a:prstGeom prst="wedgeRoundRectCallout">
-            <a:avLst>
-              <a:gd name="adj1" fmla="val 62896"/>
-              <a:gd name="adj2" fmla="val 64504"/>
-              <a:gd name="adj3" fmla="val 16667"/>
-            </a:avLst>
-          </a:prstGeom>
-          <a:solidFill>
-            <a:schemeClr val="accent2">
-              <a:lumMod val="40000"/>
-              <a:lumOff val="60000"/>
-            </a:schemeClr>
-          </a:solidFill>
-        </p:spPr>
-        <p:style>
-          <a:lnRef idx="2">
-            <a:schemeClr val="accent1">
-              <a:shade val="15000"/>
-            </a:schemeClr>
-          </a:lnRef>
-          <a:fillRef idx="1">
-            <a:schemeClr val="accent1"/>
-          </a:fillRef>
-          <a:effectRef idx="0">
-            <a:schemeClr val="accent1"/>
-          </a:effectRef>
-          <a:fontRef idx="minor">
-            <a:schemeClr val="lt1"/>
-          </a:fontRef>
-        </p:style>
-        <p:txBody>
-          <a:bodyPr rtlCol="0" anchor="ctr"/>
-          <a:lstStyle/>
-          <a:p>
-            <a:pPr algn="ctr"/>
-            <a:r>
-              <a:rPr lang="en-US" altLang="ja-JP" dirty="0">
-                <a:ln w="0"/>
-                <a:solidFill>
-                  <a:schemeClr val="tx1"/>
-                </a:solidFill>
-                <a:effectLst>
-                  <a:outerShdw blurRad="38100" dist="19050" dir="2700000" algn="tl" rotWithShape="0">
-                    <a:schemeClr val="dk1">
-                      <a:alpha val="40000"/>
-                    </a:schemeClr>
-                  </a:outerShdw>
-                </a:effectLst>
-              </a:rPr>
-              <a:t>Bols-blue</a:t>
-            </a:r>
-            <a:r>
-              <a:rPr kumimoji="1" lang="en-US" altLang="ja-JP" dirty="0">
-                <a:ln w="0"/>
-                <a:solidFill>
-                  <a:schemeClr val="tx1"/>
-                </a:solidFill>
-                <a:effectLst>
-                  <a:outerShdw blurRad="38100" dist="19050" dir="2700000" algn="tl" rotWithShape="0">
-                    <a:schemeClr val="dk1">
-                      <a:alpha val="40000"/>
-                    </a:schemeClr>
-                  </a:outerShdw>
-                </a:effectLst>
-              </a:rPr>
-              <a:t>’s</a:t>
-            </a:r>
-          </a:p>
-          <a:p>
-            <a:pPr algn="ctr"/>
-            <a:r>
-              <a:rPr kumimoji="1" lang="en-US" altLang="ja-JP" dirty="0">
-                <a:ln w="0"/>
-                <a:solidFill>
-                  <a:schemeClr val="tx1"/>
-                </a:solidFill>
-                <a:effectLst>
-                  <a:outerShdw blurRad="38100" dist="19050" dir="2700000" algn="tl" rotWithShape="0">
-                    <a:schemeClr val="dk1">
-                      <a:alpha val="40000"/>
-                    </a:schemeClr>
-                  </a:outerShdw>
-                </a:effectLst>
-              </a:rPr>
-              <a:t>Design</a:t>
-            </a:r>
-            <a:endParaRPr kumimoji="1" lang="ja-JP" altLang="en-US" dirty="0">
-              <a:ln w="0"/>
-              <a:solidFill>
-                <a:schemeClr val="tx1"/>
-              </a:solidFill>
-              <a:effectLst>
-                <a:outerShdw blurRad="38100" dist="19050" dir="2700000" algn="tl" rotWithShape="0">
-                  <a:schemeClr val="dk1">
-                    <a:alpha val="40000"/>
-                  </a:schemeClr>
-                </a:outerShdw>
-              </a:effectLst>
-            </a:endParaRPr>
-          </a:p>
-        </p:txBody>
-      </p:sp>
-      <p:sp>
-        <p:nvSpPr>
-          <p:cNvPr id="22" name="吹き出し: 角を丸めた四角形 21">
-            <a:extLst>
-              <a:ext uri="{FF2B5EF4-FFF2-40B4-BE49-F238E27FC236}">
-                <a16:creationId xmlns:a16="http://schemas.microsoft.com/office/drawing/2014/main" id="{C9EFB605-BB06-9C63-068E-80ED279AF52D}"/>
-              </a:ext>
-            </a:extLst>
-          </p:cNvPr>
-          <p:cNvSpPr/>
-          <p:nvPr/>
-        </p:nvSpPr>
-        <p:spPr>
-          <a:xfrm>
-            <a:off x="3793369" y="1818478"/>
-            <a:ext cx="1521575" cy="697102"/>
-          </a:xfrm>
-          <a:prstGeom prst="wedgeRoundRectCallout">
-            <a:avLst>
-              <a:gd name="adj1" fmla="val 68359"/>
-              <a:gd name="adj2" fmla="val 69804"/>
-              <a:gd name="adj3" fmla="val 16667"/>
-            </a:avLst>
-          </a:prstGeom>
-          <a:solidFill>
-            <a:schemeClr val="accent2">
-              <a:lumMod val="40000"/>
-              <a:lumOff val="60000"/>
-            </a:schemeClr>
-          </a:solidFill>
-        </p:spPr>
-        <p:style>
-          <a:lnRef idx="2">
-            <a:schemeClr val="accent1">
-              <a:shade val="15000"/>
-            </a:schemeClr>
-          </a:lnRef>
-          <a:fillRef idx="1">
-            <a:schemeClr val="accent1"/>
-          </a:fillRef>
-          <a:effectRef idx="0">
-            <a:schemeClr val="accent1"/>
-          </a:effectRef>
-          <a:fontRef idx="minor">
-            <a:schemeClr val="lt1"/>
-          </a:fontRef>
-        </p:style>
-        <p:txBody>
-          <a:bodyPr rtlCol="0" anchor="ctr"/>
-          <a:lstStyle/>
-          <a:p>
-            <a:pPr algn="ctr"/>
-            <a:r>
-              <a:rPr lang="en-US" altLang="ja-JP" dirty="0">
-                <a:ln w="0"/>
-                <a:solidFill>
-                  <a:schemeClr val="tx1"/>
-                </a:solidFill>
-                <a:effectLst>
-                  <a:outerShdw blurRad="38100" dist="19050" dir="2700000" algn="tl" rotWithShape="0">
-                    <a:schemeClr val="dk1">
-                      <a:alpha val="40000"/>
-                    </a:schemeClr>
-                  </a:outerShdw>
-                </a:effectLst>
-              </a:rPr>
-              <a:t>homelith</a:t>
-            </a:r>
-            <a:r>
-              <a:rPr kumimoji="1" lang="en-US" altLang="ja-JP" dirty="0">
-                <a:ln w="0"/>
-                <a:solidFill>
-                  <a:schemeClr val="tx1"/>
-                </a:solidFill>
-                <a:effectLst>
-                  <a:outerShdw blurRad="38100" dist="19050" dir="2700000" algn="tl" rotWithShape="0">
-                    <a:schemeClr val="dk1">
-                      <a:alpha val="40000"/>
-                    </a:schemeClr>
-                  </a:outerShdw>
-                </a:effectLst>
-              </a:rPr>
-              <a:t>’s</a:t>
-            </a:r>
-          </a:p>
-          <a:p>
-            <a:pPr algn="ctr"/>
-            <a:r>
-              <a:rPr kumimoji="1" lang="en-US" altLang="ja-JP" dirty="0">
-                <a:ln w="0"/>
-                <a:solidFill>
-                  <a:schemeClr val="tx1"/>
-                </a:solidFill>
-                <a:effectLst>
-                  <a:outerShdw blurRad="38100" dist="19050" dir="2700000" algn="tl" rotWithShape="0">
-                    <a:schemeClr val="dk1">
-                      <a:alpha val="40000"/>
-                    </a:schemeClr>
-                  </a:outerShdw>
-                </a:effectLst>
-              </a:rPr>
-              <a:t>Design</a:t>
-            </a:r>
-            <a:endParaRPr kumimoji="1" lang="ja-JP" altLang="en-US" dirty="0">
-              <a:ln w="0"/>
-              <a:solidFill>
-                <a:schemeClr val="tx1"/>
-              </a:solidFill>
-              <a:effectLst>
-                <a:outerShdw blurRad="38100" dist="19050" dir="2700000" algn="tl" rotWithShape="0">
-                  <a:schemeClr val="dk1">
-                    <a:alpha val="40000"/>
-                  </a:schemeClr>
-                </a:outerShdw>
-              </a:effectLst>
-            </a:endParaRPr>
-          </a:p>
-        </p:txBody>
-      </p:sp>
-      <p:sp>
-        <p:nvSpPr>
-          <p:cNvPr id="23" name="吹き出し: 角を丸めた四角形 22">
-            <a:extLst>
-              <a:ext uri="{FF2B5EF4-FFF2-40B4-BE49-F238E27FC236}">
-                <a16:creationId xmlns:a16="http://schemas.microsoft.com/office/drawing/2014/main" id="{29534A54-4329-C5A9-4D4C-7EAD1AF3055E}"/>
-              </a:ext>
-            </a:extLst>
-          </p:cNvPr>
-          <p:cNvSpPr/>
-          <p:nvPr/>
-        </p:nvSpPr>
-        <p:spPr>
-          <a:xfrm>
-            <a:off x="3793370" y="2770366"/>
-            <a:ext cx="1521575" cy="697102"/>
-          </a:xfrm>
-          <a:prstGeom prst="wedgeRoundRectCallout">
-            <a:avLst>
-              <a:gd name="adj1" fmla="val 75643"/>
-              <a:gd name="adj2" fmla="val 77754"/>
-              <a:gd name="adj3" fmla="val 16667"/>
-            </a:avLst>
-          </a:prstGeom>
-          <a:solidFill>
-            <a:schemeClr val="accent2">
-              <a:lumMod val="40000"/>
-              <a:lumOff val="60000"/>
-            </a:schemeClr>
-          </a:solidFill>
-        </p:spPr>
-        <p:style>
-          <a:lnRef idx="2">
-            <a:schemeClr val="accent1">
-              <a:shade val="15000"/>
-            </a:schemeClr>
-          </a:lnRef>
-          <a:fillRef idx="1">
-            <a:schemeClr val="accent1"/>
-          </a:fillRef>
-          <a:effectRef idx="0">
-            <a:schemeClr val="accent1"/>
-          </a:effectRef>
-          <a:fontRef idx="minor">
-            <a:schemeClr val="lt1"/>
-          </a:fontRef>
-        </p:style>
-        <p:txBody>
-          <a:bodyPr rtlCol="0" anchor="ctr"/>
-          <a:lstStyle/>
-          <a:p>
-            <a:pPr algn="ctr"/>
-            <a:r>
-              <a:rPr lang="en-US" altLang="ja-JP" dirty="0">
-                <a:ln w="0"/>
-                <a:solidFill>
-                  <a:schemeClr val="tx1"/>
-                </a:solidFill>
-                <a:effectLst>
-                  <a:outerShdw blurRad="38100" dist="19050" dir="2700000" algn="tl" rotWithShape="0">
-                    <a:schemeClr val="dk1">
-                      <a:alpha val="40000"/>
-                    </a:schemeClr>
-                  </a:outerShdw>
-                </a:effectLst>
-              </a:rPr>
-              <a:t>Ajisai</a:t>
-            </a:r>
-            <a:r>
-              <a:rPr kumimoji="1" lang="en-US" altLang="ja-JP" dirty="0">
-                <a:ln w="0"/>
-                <a:solidFill>
-                  <a:schemeClr val="tx1"/>
-                </a:solidFill>
-                <a:effectLst>
-                  <a:outerShdw blurRad="38100" dist="19050" dir="2700000" algn="tl" rotWithShape="0">
-                    <a:schemeClr val="dk1">
-                      <a:alpha val="40000"/>
-                    </a:schemeClr>
-                  </a:outerShdw>
-                </a:effectLst>
-              </a:rPr>
-              <a:t>’s</a:t>
-            </a:r>
-          </a:p>
-          <a:p>
-            <a:pPr algn="ctr"/>
-            <a:r>
-              <a:rPr kumimoji="1" lang="en-US" altLang="ja-JP" dirty="0">
-                <a:ln w="0"/>
-                <a:solidFill>
-                  <a:schemeClr val="tx1"/>
-                </a:solidFill>
-                <a:effectLst>
-                  <a:outerShdw blurRad="38100" dist="19050" dir="2700000" algn="tl" rotWithShape="0">
-                    <a:schemeClr val="dk1">
-                      <a:alpha val="40000"/>
-                    </a:schemeClr>
-                  </a:outerShdw>
-                </a:effectLst>
-              </a:rPr>
-              <a:t>Design</a:t>
-            </a:r>
-            <a:endParaRPr kumimoji="1" lang="ja-JP" altLang="en-US" dirty="0">
-              <a:ln w="0"/>
-              <a:solidFill>
-                <a:schemeClr val="tx1"/>
-              </a:solidFill>
-              <a:effectLst>
-                <a:outerShdw blurRad="38100" dist="19050" dir="2700000" algn="tl" rotWithShape="0">
-                  <a:schemeClr val="dk1">
-                    <a:alpha val="40000"/>
-                  </a:schemeClr>
-                </a:outerShdw>
-              </a:effectLst>
-            </a:endParaRPr>
-          </a:p>
-        </p:txBody>
-      </p:sp>
-      <p:sp>
-        <p:nvSpPr>
-          <p:cNvPr id="24" name="吹き出し: 角を丸めた四角形 23">
-            <a:extLst>
-              <a:ext uri="{FF2B5EF4-FFF2-40B4-BE49-F238E27FC236}">
-                <a16:creationId xmlns:a16="http://schemas.microsoft.com/office/drawing/2014/main" id="{10CF9296-4A1D-F677-B8E8-0F4C7E3C1A4A}"/>
-              </a:ext>
-            </a:extLst>
-          </p:cNvPr>
-          <p:cNvSpPr/>
-          <p:nvPr/>
-        </p:nvSpPr>
-        <p:spPr>
-          <a:xfrm>
-            <a:off x="3832739" y="3739335"/>
-            <a:ext cx="1521575" cy="697102"/>
-          </a:xfrm>
-          <a:prstGeom prst="wedgeRoundRectCallout">
-            <a:avLst>
-              <a:gd name="adj1" fmla="val 59254"/>
-              <a:gd name="adj2" fmla="val 65830"/>
-              <a:gd name="adj3" fmla="val 16667"/>
-            </a:avLst>
-          </a:prstGeom>
-          <a:solidFill>
-            <a:schemeClr val="accent2">
-              <a:lumMod val="40000"/>
-              <a:lumOff val="60000"/>
-            </a:schemeClr>
-          </a:solidFill>
-        </p:spPr>
-        <p:style>
-          <a:lnRef idx="2">
-            <a:schemeClr val="accent1">
-              <a:shade val="15000"/>
-            </a:schemeClr>
-          </a:lnRef>
-          <a:fillRef idx="1">
-            <a:schemeClr val="accent1"/>
-          </a:fillRef>
-          <a:effectRef idx="0">
-            <a:schemeClr val="accent1"/>
-          </a:effectRef>
-          <a:fontRef idx="minor">
-            <a:schemeClr val="lt1"/>
-          </a:fontRef>
-        </p:style>
-        <p:txBody>
-          <a:bodyPr rtlCol="0" anchor="ctr"/>
-          <a:lstStyle/>
-          <a:p>
-            <a:pPr algn="ctr"/>
-            <a:r>
-              <a:rPr lang="en-US" altLang="ja-JP" dirty="0">
-                <a:ln w="0"/>
-                <a:solidFill>
-                  <a:schemeClr val="tx1"/>
-                </a:solidFill>
-                <a:effectLst>
-                  <a:outerShdw blurRad="38100" dist="19050" dir="2700000" algn="tl" rotWithShape="0">
-                    <a:schemeClr val="dk1">
-                      <a:alpha val="40000"/>
-                    </a:schemeClr>
-                  </a:outerShdw>
-                </a:effectLst>
-              </a:rPr>
-              <a:t>Noritsuna</a:t>
-            </a:r>
-            <a:r>
-              <a:rPr kumimoji="1" lang="en-US" altLang="ja-JP" dirty="0">
-                <a:ln w="0"/>
-                <a:solidFill>
-                  <a:schemeClr val="tx1"/>
-                </a:solidFill>
-                <a:effectLst>
-                  <a:outerShdw blurRad="38100" dist="19050" dir="2700000" algn="tl" rotWithShape="0">
-                    <a:schemeClr val="dk1">
-                      <a:alpha val="40000"/>
-                    </a:schemeClr>
-                  </a:outerShdw>
-                </a:effectLst>
-              </a:rPr>
-              <a:t>’s</a:t>
-            </a:r>
-          </a:p>
-          <a:p>
-            <a:pPr algn="ctr"/>
-            <a:r>
-              <a:rPr kumimoji="1" lang="en-US" altLang="ja-JP" dirty="0">
-                <a:ln w="0"/>
-                <a:solidFill>
-                  <a:schemeClr val="tx1"/>
-                </a:solidFill>
-                <a:effectLst>
-                  <a:outerShdw blurRad="38100" dist="19050" dir="2700000" algn="tl" rotWithShape="0">
-                    <a:schemeClr val="dk1">
-                      <a:alpha val="40000"/>
-                    </a:schemeClr>
-                  </a:outerShdw>
-                </a:effectLst>
-              </a:rPr>
-              <a:t>Design</a:t>
-            </a:r>
-            <a:endParaRPr kumimoji="1" lang="ja-JP" altLang="en-US" dirty="0">
-              <a:ln w="0"/>
-              <a:solidFill>
-                <a:schemeClr val="tx1"/>
-              </a:solidFill>
-              <a:effectLst>
-                <a:outerShdw blurRad="38100" dist="19050" dir="2700000" algn="tl" rotWithShape="0">
-                  <a:schemeClr val="dk1">
-                    <a:alpha val="40000"/>
-                  </a:schemeClr>
-                </a:outerShdw>
-              </a:effectLst>
-            </a:endParaRPr>
-          </a:p>
-        </p:txBody>
-      </p:sp>
-      <p:sp>
-        <p:nvSpPr>
-          <p:cNvPr id="25" name="吹き出し: 角を丸めた四角形 24">
-            <a:extLst>
-              <a:ext uri="{FF2B5EF4-FFF2-40B4-BE49-F238E27FC236}">
-                <a16:creationId xmlns:a16="http://schemas.microsoft.com/office/drawing/2014/main" id="{12F47A59-CB30-CDBE-F647-1CA0B34187E1}"/>
-              </a:ext>
-            </a:extLst>
-          </p:cNvPr>
-          <p:cNvSpPr/>
-          <p:nvPr/>
-        </p:nvSpPr>
-        <p:spPr>
-          <a:xfrm>
-            <a:off x="73572" y="2370399"/>
-            <a:ext cx="1521575" cy="697102"/>
-          </a:xfrm>
-          <a:prstGeom prst="wedgeRoundRectCallout">
-            <a:avLst>
-              <a:gd name="adj1" fmla="val 75643"/>
-              <a:gd name="adj2" fmla="val 77754"/>
-              <a:gd name="adj3" fmla="val 16667"/>
-            </a:avLst>
-          </a:prstGeom>
-          <a:solidFill>
-            <a:schemeClr val="accent6">
-              <a:lumMod val="60000"/>
-              <a:lumOff val="40000"/>
-            </a:schemeClr>
-          </a:solidFill>
-        </p:spPr>
-        <p:style>
-          <a:lnRef idx="2">
-            <a:schemeClr val="accent1">
-              <a:shade val="15000"/>
-            </a:schemeClr>
-          </a:lnRef>
-          <a:fillRef idx="1">
-            <a:schemeClr val="accent1"/>
-          </a:fillRef>
-          <a:effectRef idx="0">
-            <a:schemeClr val="accent1"/>
-          </a:effectRef>
-          <a:fontRef idx="minor">
-            <a:schemeClr val="lt1"/>
-          </a:fontRef>
-        </p:style>
-        <p:txBody>
-          <a:bodyPr rtlCol="0" anchor="ctr"/>
-          <a:lstStyle/>
-          <a:p>
-            <a:pPr algn="ctr"/>
-            <a:r>
-              <a:rPr kumimoji="1" lang="en-US" altLang="ja-JP" dirty="0">
-                <a:ln w="0"/>
-                <a:solidFill>
-                  <a:schemeClr val="tx1"/>
-                </a:solidFill>
-                <a:effectLst>
-                  <a:outerShdw blurRad="38100" dist="19050" dir="2700000" algn="tl" rotWithShape="0">
-                    <a:schemeClr val="dk1">
-                      <a:alpha val="40000"/>
-                    </a:schemeClr>
-                  </a:outerShdw>
-                </a:effectLst>
-              </a:rPr>
-              <a:t>gitefu’s</a:t>
-            </a:r>
-          </a:p>
-          <a:p>
-            <a:pPr algn="ctr"/>
-            <a:r>
-              <a:rPr kumimoji="1" lang="en-US" altLang="ja-JP" dirty="0">
-                <a:ln w="0"/>
-                <a:solidFill>
-                  <a:schemeClr val="tx1"/>
-                </a:solidFill>
-                <a:effectLst>
-                  <a:outerShdw blurRad="38100" dist="19050" dir="2700000" algn="tl" rotWithShape="0">
-                    <a:schemeClr val="dk1">
-                      <a:alpha val="40000"/>
-                    </a:schemeClr>
-                  </a:outerShdw>
-                </a:effectLst>
-              </a:rPr>
-              <a:t>Design</a:t>
-            </a:r>
-            <a:endParaRPr kumimoji="1" lang="ja-JP" altLang="en-US" dirty="0">
-              <a:ln w="0"/>
-              <a:solidFill>
-                <a:schemeClr val="tx1"/>
-              </a:solidFill>
-              <a:effectLst>
-                <a:outerShdw blurRad="38100" dist="19050" dir="2700000" algn="tl" rotWithShape="0">
-                  <a:schemeClr val="dk1">
-                    <a:alpha val="40000"/>
-                  </a:schemeClr>
-                </a:outerShdw>
-              </a:effectLst>
-            </a:endParaRPr>
-          </a:p>
-        </p:txBody>
-      </p:sp>
-      <p:sp>
-        <p:nvSpPr>
-          <p:cNvPr id="26" name="四角形: 角を丸くする 25">
-            <a:extLst>
-              <a:ext uri="{FF2B5EF4-FFF2-40B4-BE49-F238E27FC236}">
-                <a16:creationId xmlns:a16="http://schemas.microsoft.com/office/drawing/2014/main" id="{0ED91E81-019D-3A8D-4C7E-F1BC95815526}"/>
-              </a:ext>
-            </a:extLst>
-          </p:cNvPr>
-          <p:cNvSpPr/>
-          <p:nvPr/>
-        </p:nvSpPr>
-        <p:spPr>
-          <a:xfrm>
-            <a:off x="1733697" y="5268208"/>
-            <a:ext cx="1992824" cy="636513"/>
-          </a:xfrm>
-          <a:prstGeom prst="roundRect">
-            <a:avLst/>
-          </a:prstGeom>
-          <a:solidFill>
-            <a:schemeClr val="accent6">
-              <a:lumMod val="40000"/>
-              <a:lumOff val="60000"/>
-            </a:schemeClr>
-          </a:solidFill>
-        </p:spPr>
-        <p:style>
-          <a:lnRef idx="2">
-            <a:schemeClr val="accent1">
-              <a:shade val="15000"/>
-            </a:schemeClr>
-          </a:lnRef>
-          <a:fillRef idx="1">
-            <a:schemeClr val="accent1"/>
-          </a:fillRef>
-          <a:effectRef idx="0">
-            <a:schemeClr val="accent1"/>
-          </a:effectRef>
-          <a:fontRef idx="minor">
-            <a:schemeClr val="lt1"/>
-          </a:fontRef>
-        </p:style>
-        <p:txBody>
-          <a:bodyPr rtlCol="0" anchor="ctr"/>
-          <a:lstStyle/>
-          <a:p>
-            <a:pPr algn="ctr"/>
-            <a:r>
-              <a:rPr kumimoji="1" lang="en-US" altLang="ja-JP" dirty="0">
-                <a:ln w="0"/>
-                <a:solidFill>
-                  <a:schemeClr val="tx1"/>
-                </a:solidFill>
-                <a:effectLst>
-                  <a:outerShdw blurRad="38100" dist="19050" dir="2700000" algn="tl" rotWithShape="0">
-                    <a:schemeClr val="dk1">
-                      <a:alpha val="40000"/>
-                    </a:schemeClr>
-                  </a:outerShdw>
-                </a:effectLst>
-              </a:rPr>
-              <a:t>OPAMP &amp; ADC</a:t>
-            </a:r>
-            <a:endParaRPr kumimoji="1" lang="ja-JP" altLang="en-US" dirty="0">
-              <a:ln w="0"/>
-              <a:solidFill>
-                <a:schemeClr val="tx1"/>
-              </a:solidFill>
-              <a:effectLst>
-                <a:outerShdw blurRad="38100" dist="19050" dir="2700000" algn="tl" rotWithShape="0">
-                  <a:schemeClr val="dk1">
-                    <a:alpha val="40000"/>
-                  </a:schemeClr>
-                </a:outerShdw>
-              </a:effectLst>
-            </a:endParaRPr>
-          </a:p>
-        </p:txBody>
-      </p:sp>
-      <p:sp>
-        <p:nvSpPr>
-          <p:cNvPr id="27" name="四角形: 角を丸くする 26">
-            <a:extLst>
-              <a:ext uri="{FF2B5EF4-FFF2-40B4-BE49-F238E27FC236}">
-                <a16:creationId xmlns:a16="http://schemas.microsoft.com/office/drawing/2014/main" id="{9B9E94A9-6AA2-3AA7-61F9-FF079EE1FB70}"/>
-              </a:ext>
-            </a:extLst>
-          </p:cNvPr>
-          <p:cNvSpPr/>
-          <p:nvPr/>
-        </p:nvSpPr>
-        <p:spPr>
-          <a:xfrm>
-            <a:off x="4987479" y="5290982"/>
-            <a:ext cx="1992824" cy="636513"/>
-          </a:xfrm>
-          <a:prstGeom prst="roundRect">
-            <a:avLst/>
-          </a:prstGeom>
-          <a:solidFill>
-            <a:schemeClr val="accent2">
-              <a:lumMod val="20000"/>
-              <a:lumOff val="80000"/>
-            </a:schemeClr>
-          </a:solidFill>
-        </p:spPr>
-        <p:style>
-          <a:lnRef idx="2">
-            <a:schemeClr val="accent1">
-              <a:shade val="15000"/>
-            </a:schemeClr>
-          </a:lnRef>
-          <a:fillRef idx="1">
-            <a:schemeClr val="accent1"/>
-          </a:fillRef>
-          <a:effectRef idx="0">
-            <a:schemeClr val="accent1"/>
-          </a:effectRef>
-          <a:fontRef idx="minor">
-            <a:schemeClr val="lt1"/>
-          </a:fontRef>
-        </p:style>
-        <p:txBody>
-          <a:bodyPr rtlCol="0" anchor="ctr"/>
-          <a:lstStyle/>
-          <a:p>
-            <a:pPr algn="ctr"/>
-            <a:r>
-              <a:rPr lang="en-US" altLang="ja-JP" dirty="0">
-                <a:ln w="0"/>
-                <a:solidFill>
-                  <a:schemeClr val="tx1"/>
-                </a:solidFill>
-                <a:effectLst>
-                  <a:outerShdw blurRad="38100" dist="19050" dir="2700000" algn="tl" rotWithShape="0">
-                    <a:schemeClr val="dk1">
-                      <a:alpha val="40000"/>
-                    </a:schemeClr>
-                  </a:outerShdw>
-                </a:effectLst>
-              </a:rPr>
-              <a:t>Inverter</a:t>
-            </a:r>
-            <a:endParaRPr kumimoji="1" lang="ja-JP" altLang="en-US" dirty="0">
-              <a:ln w="0"/>
-              <a:solidFill>
-                <a:schemeClr val="tx1"/>
-              </a:solidFill>
-              <a:effectLst>
-                <a:outerShdw blurRad="38100" dist="19050" dir="2700000" algn="tl" rotWithShape="0">
-                  <a:schemeClr val="dk1">
-                    <a:alpha val="40000"/>
-                  </a:schemeClr>
-                </a:outerShdw>
-              </a:effectLst>
-            </a:endParaRPr>
-          </a:p>
-        </p:txBody>
-      </p:sp>
-    </p:spTree>
-    <p:extLst>
-      <p:ext uri="{BB962C8B-B14F-4D97-AF65-F5344CB8AC3E}">
-        <p14:creationId xmlns:p14="http://schemas.microsoft.com/office/powerpoint/2010/main" val="3406066737"/>
-      </p:ext>
-    </p:extLst>
-  </p:cSld>
-  <p:clrMapOvr>
-    <a:masterClrMapping/>
-  </p:clrMapOvr>
-</p:sld>
-</file>
-
-<file path=ppt/slides/slide3.xml><?xml version="1.0" encoding="utf-8"?>
-<p:sld xmlns:a="http://schemas.openxmlformats.org/drawingml/2006/main" xmlns:r="http://schemas.openxmlformats.org/officeDocument/2006/relationships" xmlns:p="http://schemas.openxmlformats.org/presentationml/2006/main">
-  <p:cSld>
-    <p:spTree>
-      <p:nvGrpSpPr>
-        <p:cNvPr id="1" name=""/>
-        <p:cNvGrpSpPr/>
-        <p:nvPr/>
-      </p:nvGrpSpPr>
-      <p:grpSpPr>
-        <a:xfrm>
-          <a:off x="0" y="0"/>
-          <a:ext cx="0" cy="0"/>
-          <a:chOff x="0" y="0"/>
-          <a:chExt cx="0" cy="0"/>
-        </a:xfrm>
-      </p:grpSpPr>
-      <p:sp>
-        <p:nvSpPr>
           <p:cNvPr id="12" name="正方形/長方形 11">
             <a:extLst>
               <a:ext uri="{FF2B5EF4-FFF2-40B4-BE49-F238E27FC236}">
@@ -7065,7 +5143,7 @@
           <a:p>
             <a:pPr algn="ctr"/>
             <a:r>
-              <a:rPr kumimoji="1" lang="en-US" altLang="ja-JP" dirty="0">
+              <a:rPr lang="en-US" altLang="ja-JP" dirty="0">
                 <a:ln w="0"/>
                 <a:solidFill>
                   <a:schemeClr val="tx1"/>
@@ -7078,7 +5156,7 @@
                   </a:outerShdw>
                 </a:effectLst>
               </a:rPr>
-              <a:t>Design</a:t>
+              <a:t>Inverter</a:t>
             </a:r>
             <a:endParaRPr kumimoji="1" lang="ja-JP" altLang="en-US" dirty="0">
               <a:ln w="0"/>
